--- a/Presentation/Presentation.pptx
+++ b/Presentation/Presentation.pptx
@@ -8,9 +8,11 @@
     <p:sldId id="256" r:id="rId2"/>
     <p:sldId id="257" r:id="rId3"/>
     <p:sldId id="258" r:id="rId4"/>
-    <p:sldId id="259" r:id="rId5"/>
-    <p:sldId id="261" r:id="rId6"/>
-    <p:sldId id="260" r:id="rId7"/>
+    <p:sldId id="262" r:id="rId5"/>
+    <p:sldId id="259" r:id="rId6"/>
+    <p:sldId id="264" r:id="rId7"/>
+    <p:sldId id="261" r:id="rId8"/>
+    <p:sldId id="263" r:id="rId9"/>
   </p:sldIdLst>
   <p:sldSz cx="12192000" cy="6858000"/>
   <p:notesSz cx="6858000" cy="9144000"/>
@@ -117,13 +119,11 @@
             <p14:sldId id="256"/>
             <p14:sldId id="257"/>
             <p14:sldId id="258"/>
-          </p14:sldIdLst>
-        </p14:section>
-        <p14:section name="Untitled Section" id="{6044F900-34B7-4E26-A3BE-C263C4E37A62}">
-          <p14:sldIdLst>
+            <p14:sldId id="262"/>
             <p14:sldId id="259"/>
+            <p14:sldId id="264"/>
             <p14:sldId id="261"/>
-            <p14:sldId id="260"/>
+            <p14:sldId id="263"/>
           </p14:sldIdLst>
         </p14:section>
       </p14:sectionLst>
@@ -192,7 +192,7 @@
           <a:noFill/>
           <a:extLst>
             <a:ext uri="{909E8E84-426E-40dd-AFC4-6F175D3DCCD1}">
-              <a14:hiddenFill xmlns="" xmlns:a14="http://schemas.microsoft.com/office/drawing/2010/main">
+              <a14:hiddenFill xmlns:a14="http://schemas.microsoft.com/office/drawing/2010/main" xmlns="">
                 <a:solidFill>
                   <a:srgbClr val="FFFFFF"/>
                 </a:solidFill>
@@ -251,7 +251,7 @@
             </a:ln>
             <a:extLst>
               <a:ext uri="{91240B29-F687-4f45-9708-019B960494DF}">
-                <a14:hiddenLine xmlns="" xmlns:a14="http://schemas.microsoft.com/office/drawing/2010/main" w="9525">
+                <a14:hiddenLine xmlns:a14="http://schemas.microsoft.com/office/drawing/2010/main" xmlns="" w="9525">
                   <a:solidFill>
                     <a:srgbClr val="000000"/>
                   </a:solidFill>
@@ -341,7 +341,7 @@
             </a:ln>
             <a:extLst>
               <a:ext uri="{91240B29-F687-4f45-9708-019B960494DF}">
-                <a14:hiddenLine xmlns="" xmlns:a14="http://schemas.microsoft.com/office/drawing/2010/main" w="9525">
+                <a14:hiddenLine xmlns:a14="http://schemas.microsoft.com/office/drawing/2010/main" xmlns="" w="9525">
                   <a:solidFill>
                     <a:srgbClr val="000000"/>
                   </a:solidFill>
@@ -431,7 +431,7 @@
             </a:ln>
             <a:extLst>
               <a:ext uri="{91240B29-F687-4f45-9708-019B960494DF}">
-                <a14:hiddenLine xmlns="" xmlns:a14="http://schemas.microsoft.com/office/drawing/2010/main" w="9525">
+                <a14:hiddenLine xmlns:a14="http://schemas.microsoft.com/office/drawing/2010/main" xmlns="" w="9525">
                   <a:solidFill>
                     <a:srgbClr val="000000"/>
                   </a:solidFill>
@@ -465,7 +465,7 @@
             </a:ln>
             <a:extLst>
               <a:ext uri="{91240B29-F687-4f45-9708-019B960494DF}">
-                <a14:hiddenLine xmlns="" xmlns:a14="http://schemas.microsoft.com/office/drawing/2010/main" w="9525">
+                <a14:hiddenLine xmlns:a14="http://schemas.microsoft.com/office/drawing/2010/main" xmlns="" w="9525">
                   <a:solidFill>
                     <a:srgbClr val="000000"/>
                   </a:solidFill>
@@ -555,7 +555,7 @@
             </a:ln>
             <a:extLst>
               <a:ext uri="{91240B29-F687-4f45-9708-019B960494DF}">
-                <a14:hiddenLine xmlns="" xmlns:a14="http://schemas.microsoft.com/office/drawing/2010/main" w="9525">
+                <a14:hiddenLine xmlns:a14="http://schemas.microsoft.com/office/drawing/2010/main" xmlns="" w="9525">
                   <a:solidFill>
                     <a:srgbClr val="000000"/>
                   </a:solidFill>
@@ -617,7 +617,7 @@
             </a:ln>
             <a:extLst>
               <a:ext uri="{91240B29-F687-4f45-9708-019B960494DF}">
-                <a14:hiddenLine xmlns="" xmlns:a14="http://schemas.microsoft.com/office/drawing/2010/main" w="9525">
+                <a14:hiddenLine xmlns:a14="http://schemas.microsoft.com/office/drawing/2010/main" xmlns="" w="9525">
                   <a:solidFill>
                     <a:srgbClr val="000000"/>
                   </a:solidFill>
@@ -679,7 +679,7 @@
             </a:ln>
             <a:extLst>
               <a:ext uri="{91240B29-F687-4f45-9708-019B960494DF}">
-                <a14:hiddenLine xmlns="" xmlns:a14="http://schemas.microsoft.com/office/drawing/2010/main" w="9525">
+                <a14:hiddenLine xmlns:a14="http://schemas.microsoft.com/office/drawing/2010/main" xmlns="" w="9525">
                   <a:solidFill>
                     <a:srgbClr val="000000"/>
                   </a:solidFill>
@@ -769,7 +769,7 @@
             </a:ln>
             <a:extLst>
               <a:ext uri="{91240B29-F687-4f45-9708-019B960494DF}">
-                <a14:hiddenLine xmlns="" xmlns:a14="http://schemas.microsoft.com/office/drawing/2010/main" w="9525">
+                <a14:hiddenLine xmlns:a14="http://schemas.microsoft.com/office/drawing/2010/main" xmlns="" w="9525">
                   <a:solidFill>
                     <a:srgbClr val="000000"/>
                   </a:solidFill>
@@ -831,7 +831,7 @@
             </a:ln>
             <a:extLst>
               <a:ext uri="{91240B29-F687-4f45-9708-019B960494DF}">
-                <a14:hiddenLine xmlns="" xmlns:a14="http://schemas.microsoft.com/office/drawing/2010/main" w="9525">
+                <a14:hiddenLine xmlns:a14="http://schemas.microsoft.com/office/drawing/2010/main" xmlns="" w="9525">
                   <a:solidFill>
                     <a:srgbClr val="000000"/>
                   </a:solidFill>
@@ -893,7 +893,7 @@
             </a:ln>
             <a:extLst>
               <a:ext uri="{91240B29-F687-4f45-9708-019B960494DF}">
-                <a14:hiddenLine xmlns="" xmlns:a14="http://schemas.microsoft.com/office/drawing/2010/main" w="9525">
+                <a14:hiddenLine xmlns:a14="http://schemas.microsoft.com/office/drawing/2010/main" xmlns="" w="9525">
                   <a:solidFill>
                     <a:srgbClr val="000000"/>
                   </a:solidFill>
@@ -983,7 +983,7 @@
             </a:ln>
             <a:extLst>
               <a:ext uri="{91240B29-F687-4f45-9708-019B960494DF}">
-                <a14:hiddenLine xmlns="" xmlns:a14="http://schemas.microsoft.com/office/drawing/2010/main" w="9525">
+                <a14:hiddenLine xmlns:a14="http://schemas.microsoft.com/office/drawing/2010/main" xmlns="" w="9525">
                   <a:solidFill>
                     <a:srgbClr val="000000"/>
                   </a:solidFill>
@@ -1073,7 +1073,7 @@
             </a:ln>
             <a:extLst>
               <a:ext uri="{91240B29-F687-4f45-9708-019B960494DF}">
-                <a14:hiddenLine xmlns="" xmlns:a14="http://schemas.microsoft.com/office/drawing/2010/main" w="9525">
+                <a14:hiddenLine xmlns:a14="http://schemas.microsoft.com/office/drawing/2010/main" xmlns="" w="9525">
                   <a:solidFill>
                     <a:srgbClr val="000000"/>
                   </a:solidFill>
@@ -1135,7 +1135,7 @@
             </a:ln>
             <a:extLst>
               <a:ext uri="{91240B29-F687-4f45-9708-019B960494DF}">
-                <a14:hiddenLine xmlns="" xmlns:a14="http://schemas.microsoft.com/office/drawing/2010/main" w="9525">
+                <a14:hiddenLine xmlns:a14="http://schemas.microsoft.com/office/drawing/2010/main" xmlns="" w="9525">
                   <a:solidFill>
                     <a:srgbClr val="000000"/>
                   </a:solidFill>
@@ -1245,7 +1245,7 @@
             </a:ln>
             <a:extLst>
               <a:ext uri="{91240B29-F687-4f45-9708-019B960494DF}">
-                <a14:hiddenLine xmlns="" xmlns:a14="http://schemas.microsoft.com/office/drawing/2010/main" w="9525">
+                <a14:hiddenLine xmlns:a14="http://schemas.microsoft.com/office/drawing/2010/main" xmlns="" w="9525">
                   <a:solidFill>
                     <a:srgbClr val="000000"/>
                   </a:solidFill>
@@ -1307,7 +1307,7 @@
             </a:ln>
             <a:extLst>
               <a:ext uri="{91240B29-F687-4f45-9708-019B960494DF}">
-                <a14:hiddenLine xmlns="" xmlns:a14="http://schemas.microsoft.com/office/drawing/2010/main" w="9525">
+                <a14:hiddenLine xmlns:a14="http://schemas.microsoft.com/office/drawing/2010/main" xmlns="" w="9525">
                   <a:solidFill>
                     <a:srgbClr val="000000"/>
                   </a:solidFill>
@@ -1397,7 +1397,7 @@
             </a:ln>
             <a:extLst>
               <a:ext uri="{91240B29-F687-4f45-9708-019B960494DF}">
-                <a14:hiddenLine xmlns="" xmlns:a14="http://schemas.microsoft.com/office/drawing/2010/main" w="9525">
+                <a14:hiddenLine xmlns:a14="http://schemas.microsoft.com/office/drawing/2010/main" xmlns="" w="9525">
                   <a:solidFill>
                     <a:srgbClr val="000000"/>
                   </a:solidFill>
@@ -1487,7 +1487,7 @@
             </a:ln>
             <a:extLst>
               <a:ext uri="{91240B29-F687-4f45-9708-019B960494DF}">
-                <a14:hiddenLine xmlns="" xmlns:a14="http://schemas.microsoft.com/office/drawing/2010/main" w="9525">
+                <a14:hiddenLine xmlns:a14="http://schemas.microsoft.com/office/drawing/2010/main" xmlns="" w="9525">
                   <a:solidFill>
                     <a:srgbClr val="000000"/>
                   </a:solidFill>
@@ -1549,7 +1549,7 @@
             </a:ln>
             <a:extLst>
               <a:ext uri="{91240B29-F687-4f45-9708-019B960494DF}">
-                <a14:hiddenLine xmlns="" xmlns:a14="http://schemas.microsoft.com/office/drawing/2010/main" w="9525">
+                <a14:hiddenLine xmlns:a14="http://schemas.microsoft.com/office/drawing/2010/main" xmlns="" w="9525">
                   <a:solidFill>
                     <a:srgbClr val="000000"/>
                   </a:solidFill>
@@ -1639,7 +1639,7 @@
             </a:ln>
             <a:extLst>
               <a:ext uri="{91240B29-F687-4f45-9708-019B960494DF}">
-                <a14:hiddenLine xmlns="" xmlns:a14="http://schemas.microsoft.com/office/drawing/2010/main" w="9525">
+                <a14:hiddenLine xmlns:a14="http://schemas.microsoft.com/office/drawing/2010/main" xmlns="" w="9525">
                   <a:solidFill>
                     <a:srgbClr val="000000"/>
                   </a:solidFill>
@@ -1729,7 +1729,7 @@
             </a:ln>
             <a:extLst>
               <a:ext uri="{91240B29-F687-4f45-9708-019B960494DF}">
-                <a14:hiddenLine xmlns="" xmlns:a14="http://schemas.microsoft.com/office/drawing/2010/main" w="9525">
+                <a14:hiddenLine xmlns:a14="http://schemas.microsoft.com/office/drawing/2010/main" xmlns="" w="9525">
                   <a:solidFill>
                     <a:srgbClr val="000000"/>
                   </a:solidFill>
@@ -1785,7 +1785,7 @@
             </a:ln>
             <a:extLst>
               <a:ext uri="{91240B29-F687-4f45-9708-019B960494DF}">
-                <a14:hiddenLine xmlns="" xmlns:a14="http://schemas.microsoft.com/office/drawing/2010/main" w="9525">
+                <a14:hiddenLine xmlns:a14="http://schemas.microsoft.com/office/drawing/2010/main" xmlns="" w="9525">
                   <a:solidFill>
                     <a:srgbClr val="000000"/>
                   </a:solidFill>
@@ -1875,7 +1875,7 @@
             </a:ln>
             <a:extLst>
               <a:ext uri="{91240B29-F687-4f45-9708-019B960494DF}">
-                <a14:hiddenLine xmlns="" xmlns:a14="http://schemas.microsoft.com/office/drawing/2010/main" w="9525">
+                <a14:hiddenLine xmlns:a14="http://schemas.microsoft.com/office/drawing/2010/main" xmlns="" w="9525">
                   <a:solidFill>
                     <a:srgbClr val="000000"/>
                   </a:solidFill>
@@ -1931,7 +1931,7 @@
             </a:ln>
             <a:extLst>
               <a:ext uri="{91240B29-F687-4f45-9708-019B960494DF}">
-                <a14:hiddenLine xmlns="" xmlns:a14="http://schemas.microsoft.com/office/drawing/2010/main" w="9525">
+                <a14:hiddenLine xmlns:a14="http://schemas.microsoft.com/office/drawing/2010/main" xmlns="" w="9525">
                   <a:solidFill>
                     <a:srgbClr val="000000"/>
                   </a:solidFill>
@@ -2021,7 +2021,7 @@
             </a:ln>
             <a:extLst>
               <a:ext uri="{91240B29-F687-4f45-9708-019B960494DF}">
-                <a14:hiddenLine xmlns="" xmlns:a14="http://schemas.microsoft.com/office/drawing/2010/main" w="9525">
+                <a14:hiddenLine xmlns:a14="http://schemas.microsoft.com/office/drawing/2010/main" xmlns="" w="9525">
                   <a:solidFill>
                     <a:srgbClr val="000000"/>
                   </a:solidFill>
@@ -2089,7 +2089,7 @@
             </a:ln>
             <a:extLst>
               <a:ext uri="{91240B29-F687-4f45-9708-019B960494DF}">
-                <a14:hiddenLine xmlns="" xmlns:a14="http://schemas.microsoft.com/office/drawing/2010/main" w="9525">
+                <a14:hiddenLine xmlns:a14="http://schemas.microsoft.com/office/drawing/2010/main" xmlns="" w="9525">
                   <a:solidFill>
                     <a:srgbClr val="000000"/>
                   </a:solidFill>
@@ -2179,7 +2179,7 @@
             </a:ln>
             <a:extLst>
               <a:ext uri="{91240B29-F687-4f45-9708-019B960494DF}">
-                <a14:hiddenLine xmlns="" xmlns:a14="http://schemas.microsoft.com/office/drawing/2010/main" w="9525">
+                <a14:hiddenLine xmlns:a14="http://schemas.microsoft.com/office/drawing/2010/main" xmlns="" w="9525">
                   <a:solidFill>
                     <a:srgbClr val="000000"/>
                   </a:solidFill>
@@ -2247,7 +2247,7 @@
             </a:ln>
             <a:extLst>
               <a:ext uri="{91240B29-F687-4f45-9708-019B960494DF}">
-                <a14:hiddenLine xmlns="" xmlns:a14="http://schemas.microsoft.com/office/drawing/2010/main" w="9525">
+                <a14:hiddenLine xmlns:a14="http://schemas.microsoft.com/office/drawing/2010/main" xmlns="" w="9525">
                   <a:solidFill>
                     <a:srgbClr val="000000"/>
                   </a:solidFill>
@@ -2337,7 +2337,7 @@
             </a:ln>
             <a:extLst>
               <a:ext uri="{91240B29-F687-4f45-9708-019B960494DF}">
-                <a14:hiddenLine xmlns="" xmlns:a14="http://schemas.microsoft.com/office/drawing/2010/main" w="9525">
+                <a14:hiddenLine xmlns:a14="http://schemas.microsoft.com/office/drawing/2010/main" xmlns="" w="9525">
                   <a:solidFill>
                     <a:srgbClr val="000000"/>
                   </a:solidFill>
@@ -2371,7 +2371,7 @@
             </a:ln>
             <a:extLst>
               <a:ext uri="{91240B29-F687-4f45-9708-019B960494DF}">
-                <a14:hiddenLine xmlns="" xmlns:a14="http://schemas.microsoft.com/office/drawing/2010/main" w="9525">
+                <a14:hiddenLine xmlns:a14="http://schemas.microsoft.com/office/drawing/2010/main" xmlns="" w="9525">
                   <a:solidFill>
                     <a:srgbClr val="000000"/>
                   </a:solidFill>
@@ -2461,7 +2461,7 @@
             </a:ln>
             <a:extLst>
               <a:ext uri="{91240B29-F687-4f45-9708-019B960494DF}">
-                <a14:hiddenLine xmlns="" xmlns:a14="http://schemas.microsoft.com/office/drawing/2010/main" w="9525">
+                <a14:hiddenLine xmlns:a14="http://schemas.microsoft.com/office/drawing/2010/main" xmlns="" w="9525">
                   <a:solidFill>
                     <a:srgbClr val="000000"/>
                   </a:solidFill>
@@ -2523,7 +2523,7 @@
             </a:ln>
             <a:extLst>
               <a:ext uri="{91240B29-F687-4f45-9708-019B960494DF}">
-                <a14:hiddenLine xmlns="" xmlns:a14="http://schemas.microsoft.com/office/drawing/2010/main" w="9525">
+                <a14:hiddenLine xmlns:a14="http://schemas.microsoft.com/office/drawing/2010/main" xmlns="" w="9525">
                   <a:solidFill>
                     <a:srgbClr val="000000"/>
                   </a:solidFill>
@@ -2585,7 +2585,7 @@
             </a:ln>
             <a:extLst>
               <a:ext uri="{91240B29-F687-4f45-9708-019B960494DF}">
-                <a14:hiddenLine xmlns="" xmlns:a14="http://schemas.microsoft.com/office/drawing/2010/main" w="9525">
+                <a14:hiddenLine xmlns:a14="http://schemas.microsoft.com/office/drawing/2010/main" xmlns="" w="9525">
                   <a:solidFill>
                     <a:srgbClr val="000000"/>
                   </a:solidFill>
@@ -2675,7 +2675,7 @@
             </a:ln>
             <a:extLst>
               <a:ext uri="{91240B29-F687-4f45-9708-019B960494DF}">
-                <a14:hiddenLine xmlns="" xmlns:a14="http://schemas.microsoft.com/office/drawing/2010/main" w="9525">
+                <a14:hiddenLine xmlns:a14="http://schemas.microsoft.com/office/drawing/2010/main" xmlns="" w="9525">
                   <a:solidFill>
                     <a:srgbClr val="000000"/>
                   </a:solidFill>
@@ -2743,7 +2743,7 @@
             </a:ln>
             <a:extLst>
               <a:ext uri="{91240B29-F687-4f45-9708-019B960494DF}">
-                <a14:hiddenLine xmlns="" xmlns:a14="http://schemas.microsoft.com/office/drawing/2010/main" w="9525">
+                <a14:hiddenLine xmlns:a14="http://schemas.microsoft.com/office/drawing/2010/main" xmlns="" w="9525">
                   <a:solidFill>
                     <a:srgbClr val="000000"/>
                   </a:solidFill>
@@ -2805,7 +2805,7 @@
             </a:ln>
             <a:extLst>
               <a:ext uri="{91240B29-F687-4f45-9708-019B960494DF}">
-                <a14:hiddenLine xmlns="" xmlns:a14="http://schemas.microsoft.com/office/drawing/2010/main" w="9525">
+                <a14:hiddenLine xmlns:a14="http://schemas.microsoft.com/office/drawing/2010/main" xmlns="" w="9525">
                   <a:solidFill>
                     <a:srgbClr val="000000"/>
                   </a:solidFill>
@@ -2895,7 +2895,7 @@
             </a:ln>
             <a:extLst>
               <a:ext uri="{91240B29-F687-4f45-9708-019B960494DF}">
-                <a14:hiddenLine xmlns="" xmlns:a14="http://schemas.microsoft.com/office/drawing/2010/main" w="9525">
+                <a14:hiddenLine xmlns:a14="http://schemas.microsoft.com/office/drawing/2010/main" xmlns="" w="9525">
                   <a:solidFill>
                     <a:srgbClr val="000000"/>
                   </a:solidFill>
@@ -2957,7 +2957,7 @@
             </a:ln>
             <a:extLst>
               <a:ext uri="{91240B29-F687-4f45-9708-019B960494DF}">
-                <a14:hiddenLine xmlns="" xmlns:a14="http://schemas.microsoft.com/office/drawing/2010/main" w="9525">
+                <a14:hiddenLine xmlns:a14="http://schemas.microsoft.com/office/drawing/2010/main" xmlns="" w="9525">
                   <a:solidFill>
                     <a:srgbClr val="000000"/>
                   </a:solidFill>
@@ -3047,7 +3047,7 @@
             </a:ln>
             <a:extLst>
               <a:ext uri="{91240B29-F687-4f45-9708-019B960494DF}">
-                <a14:hiddenLine xmlns="" xmlns:a14="http://schemas.microsoft.com/office/drawing/2010/main" w="9525">
+                <a14:hiddenLine xmlns:a14="http://schemas.microsoft.com/office/drawing/2010/main" xmlns="" w="9525">
                   <a:solidFill>
                     <a:srgbClr val="000000"/>
                   </a:solidFill>
@@ -3109,7 +3109,7 @@
             </a:ln>
             <a:extLst>
               <a:ext uri="{91240B29-F687-4f45-9708-019B960494DF}">
-                <a14:hiddenLine xmlns="" xmlns:a14="http://schemas.microsoft.com/office/drawing/2010/main" w="9525">
+                <a14:hiddenLine xmlns:a14="http://schemas.microsoft.com/office/drawing/2010/main" xmlns="" w="9525">
                   <a:solidFill>
                     <a:srgbClr val="000000"/>
                   </a:solidFill>
@@ -3199,7 +3199,7 @@
             </a:ln>
             <a:extLst>
               <a:ext uri="{91240B29-F687-4f45-9708-019B960494DF}">
-                <a14:hiddenLine xmlns="" xmlns:a14="http://schemas.microsoft.com/office/drawing/2010/main" w="9525">
+                <a14:hiddenLine xmlns:a14="http://schemas.microsoft.com/office/drawing/2010/main" xmlns="" w="9525">
                   <a:solidFill>
                     <a:srgbClr val="000000"/>
                   </a:solidFill>
@@ -3233,7 +3233,7 @@
             </a:ln>
             <a:extLst>
               <a:ext uri="{91240B29-F687-4f45-9708-019B960494DF}">
-                <a14:hiddenLine xmlns="" xmlns:a14="http://schemas.microsoft.com/office/drawing/2010/main" w="9525">
+                <a14:hiddenLine xmlns:a14="http://schemas.microsoft.com/office/drawing/2010/main" xmlns="" w="9525">
                   <a:solidFill>
                     <a:srgbClr val="000000"/>
                   </a:solidFill>
@@ -3298,7 +3298,7 @@
             </a:ln>
             <a:extLst>
               <a:ext uri="{91240B29-F687-4f45-9708-019B960494DF}">
-                <a14:hiddenLine xmlns="" xmlns:a14="http://schemas.microsoft.com/office/drawing/2010/main" w="9525">
+                <a14:hiddenLine xmlns:a14="http://schemas.microsoft.com/office/drawing/2010/main" xmlns="" w="9525">
                   <a:solidFill>
                     <a:srgbClr val="000000"/>
                   </a:solidFill>
@@ -3388,7 +3388,7 @@
             </a:ln>
             <a:extLst>
               <a:ext uri="{91240B29-F687-4f45-9708-019B960494DF}">
-                <a14:hiddenLine xmlns="" xmlns:a14="http://schemas.microsoft.com/office/drawing/2010/main" w="9525">
+                <a14:hiddenLine xmlns:a14="http://schemas.microsoft.com/office/drawing/2010/main" xmlns="" w="9525">
                   <a:solidFill>
                     <a:srgbClr val="000000"/>
                   </a:solidFill>
@@ -3450,7 +3450,7 @@
             </a:ln>
             <a:extLst>
               <a:ext uri="{91240B29-F687-4f45-9708-019B960494DF}">
-                <a14:hiddenLine xmlns="" xmlns:a14="http://schemas.microsoft.com/office/drawing/2010/main" w="9525">
+                <a14:hiddenLine xmlns:a14="http://schemas.microsoft.com/office/drawing/2010/main" xmlns="" w="9525">
                   <a:solidFill>
                     <a:srgbClr val="000000"/>
                   </a:solidFill>
@@ -3540,7 +3540,7 @@
             </a:ln>
             <a:extLst>
               <a:ext uri="{91240B29-F687-4f45-9708-019B960494DF}">
-                <a14:hiddenLine xmlns="" xmlns:a14="http://schemas.microsoft.com/office/drawing/2010/main" w="9525">
+                <a14:hiddenLine xmlns:a14="http://schemas.microsoft.com/office/drawing/2010/main" xmlns="" w="9525">
                   <a:solidFill>
                     <a:srgbClr val="000000"/>
                   </a:solidFill>
@@ -3630,7 +3630,7 @@
             </a:ln>
             <a:extLst>
               <a:ext uri="{91240B29-F687-4f45-9708-019B960494DF}">
-                <a14:hiddenLine xmlns="" xmlns:a14="http://schemas.microsoft.com/office/drawing/2010/main" w="9525">
+                <a14:hiddenLine xmlns:a14="http://schemas.microsoft.com/office/drawing/2010/main" xmlns="" w="9525">
                   <a:solidFill>
                     <a:srgbClr val="000000"/>
                   </a:solidFill>
@@ -3695,7 +3695,7 @@
             </a:ln>
             <a:extLst>
               <a:ext uri="{91240B29-F687-4f45-9708-019B960494DF}">
-                <a14:hiddenLine xmlns="" xmlns:a14="http://schemas.microsoft.com/office/drawing/2010/main" w="9525">
+                <a14:hiddenLine xmlns:a14="http://schemas.microsoft.com/office/drawing/2010/main" xmlns="" w="9525">
                   <a:solidFill>
                     <a:srgbClr val="000000"/>
                   </a:solidFill>
@@ -3757,7 +3757,7 @@
             </a:ln>
             <a:extLst>
               <a:ext uri="{91240B29-F687-4f45-9708-019B960494DF}">
-                <a14:hiddenLine xmlns="" xmlns:a14="http://schemas.microsoft.com/office/drawing/2010/main" w="9525">
+                <a14:hiddenLine xmlns:a14="http://schemas.microsoft.com/office/drawing/2010/main" xmlns="" w="9525">
                   <a:solidFill>
                     <a:srgbClr val="000000"/>
                   </a:solidFill>
@@ -3847,7 +3847,7 @@
             </a:ln>
             <a:extLst>
               <a:ext uri="{91240B29-F687-4f45-9708-019B960494DF}">
-                <a14:hiddenLine xmlns="" xmlns:a14="http://schemas.microsoft.com/office/drawing/2010/main" w="9525">
+                <a14:hiddenLine xmlns:a14="http://schemas.microsoft.com/office/drawing/2010/main" xmlns="" w="9525">
                   <a:solidFill>
                     <a:srgbClr val="000000"/>
                   </a:solidFill>
@@ -3937,7 +3937,7 @@
             </a:ln>
             <a:extLst>
               <a:ext uri="{91240B29-F687-4f45-9708-019B960494DF}">
-                <a14:hiddenLine xmlns="" xmlns:a14="http://schemas.microsoft.com/office/drawing/2010/main" w="9525">
+                <a14:hiddenLine xmlns:a14="http://schemas.microsoft.com/office/drawing/2010/main" xmlns="" w="9525">
                   <a:solidFill>
                     <a:srgbClr val="000000"/>
                   </a:solidFill>
@@ -3999,7 +3999,7 @@
             </a:ln>
             <a:extLst>
               <a:ext uri="{91240B29-F687-4f45-9708-019B960494DF}">
-                <a14:hiddenLine xmlns="" xmlns:a14="http://schemas.microsoft.com/office/drawing/2010/main" w="9525">
+                <a14:hiddenLine xmlns:a14="http://schemas.microsoft.com/office/drawing/2010/main" xmlns="" w="9525">
                   <a:solidFill>
                     <a:srgbClr val="000000"/>
                   </a:solidFill>
@@ -4119,7 +4119,7 @@
             </a:ln>
             <a:extLst>
               <a:ext uri="{91240B29-F687-4f45-9708-019B960494DF}">
-                <a14:hiddenLine xmlns="" xmlns:a14="http://schemas.microsoft.com/office/drawing/2010/main" w="9525">
+                <a14:hiddenLine xmlns:a14="http://schemas.microsoft.com/office/drawing/2010/main" xmlns="" w="9525">
                   <a:solidFill>
                     <a:srgbClr val="000000"/>
                   </a:solidFill>
@@ -4187,7 +4187,7 @@
             </a:ln>
             <a:extLst>
               <a:ext uri="{91240B29-F687-4f45-9708-019B960494DF}">
-                <a14:hiddenLine xmlns="" xmlns:a14="http://schemas.microsoft.com/office/drawing/2010/main" w="9525">
+                <a14:hiddenLine xmlns:a14="http://schemas.microsoft.com/office/drawing/2010/main" xmlns="" w="9525">
                   <a:solidFill>
                     <a:srgbClr val="000000"/>
                   </a:solidFill>
@@ -4277,7 +4277,7 @@
             </a:ln>
             <a:extLst>
               <a:ext uri="{91240B29-F687-4f45-9708-019B960494DF}">
-                <a14:hiddenLine xmlns="" xmlns:a14="http://schemas.microsoft.com/office/drawing/2010/main" w="9525">
+                <a14:hiddenLine xmlns:a14="http://schemas.microsoft.com/office/drawing/2010/main" xmlns="" w="9525">
                   <a:solidFill>
                     <a:srgbClr val="000000"/>
                   </a:solidFill>
@@ -4417,7 +4417,7 @@
           <a:p>
             <a:fld id="{48A87A34-81AB-432B-8DAE-1953F412C126}" type="datetimeFigureOut">
               <a:rPr lang="en-US" dirty="0"/>
-              <a:t>1/31/2023</a:t>
+              <a:t>4/13/2023</a:t>
             </a:fld>
             <a:endParaRPr lang="en-US" dirty="0"/>
           </a:p>
@@ -4679,7 +4679,7 @@
           <a:p>
             <a:fld id="{48A87A34-81AB-432B-8DAE-1953F412C126}" type="datetimeFigureOut">
               <a:rPr lang="en-US" dirty="0"/>
-              <a:t>1/31/2023</a:t>
+              <a:t>4/13/2023</a:t>
             </a:fld>
             <a:endParaRPr lang="en-US" dirty="0"/>
           </a:p>
@@ -4870,7 +4870,7 @@
           <a:p>
             <a:fld id="{48A87A34-81AB-432B-8DAE-1953F412C126}" type="datetimeFigureOut">
               <a:rPr lang="en-US" dirty="0"/>
-              <a:t>1/31/2023</a:t>
+              <a:t>4/13/2023</a:t>
             </a:fld>
             <a:endParaRPr lang="en-US" dirty="0"/>
           </a:p>
@@ -5128,7 +5128,7 @@
           <a:p>
             <a:fld id="{48A87A34-81AB-432B-8DAE-1953F412C126}" type="datetimeFigureOut">
               <a:rPr lang="en-US" dirty="0"/>
-              <a:t>1/31/2023</a:t>
+              <a:t>4/13/2023</a:t>
             </a:fld>
             <a:endParaRPr lang="en-US" dirty="0"/>
           </a:p>
@@ -5557,7 +5557,7 @@
           <a:p>
             <a:fld id="{48A87A34-81AB-432B-8DAE-1953F412C126}" type="datetimeFigureOut">
               <a:rPr lang="en-US" dirty="0"/>
-              <a:t>1/31/2023</a:t>
+              <a:t>4/13/2023</a:t>
             </a:fld>
             <a:endParaRPr lang="en-US" dirty="0"/>
           </a:p>
@@ -6098,7 +6098,7 @@
           <a:p>
             <a:fld id="{48A87A34-81AB-432B-8DAE-1953F412C126}" type="datetimeFigureOut">
               <a:rPr lang="en-US" dirty="0"/>
-              <a:t>1/31/2023</a:t>
+              <a:t>4/13/2023</a:t>
             </a:fld>
             <a:endParaRPr lang="en-US" dirty="0"/>
           </a:p>
@@ -6813,7 +6813,7 @@
           <a:p>
             <a:fld id="{48A87A34-81AB-432B-8DAE-1953F412C126}" type="datetimeFigureOut">
               <a:rPr lang="en-US" dirty="0"/>
-              <a:t>1/31/2023</a:t>
+              <a:t>4/13/2023</a:t>
             </a:fld>
             <a:endParaRPr lang="en-US" dirty="0"/>
           </a:p>
@@ -6978,7 +6978,7 @@
           <a:p>
             <a:fld id="{48A87A34-81AB-432B-8DAE-1953F412C126}" type="datetimeFigureOut">
               <a:rPr lang="en-US" dirty="0"/>
-              <a:t>1/31/2023</a:t>
+              <a:t>4/13/2023</a:t>
             </a:fld>
             <a:endParaRPr lang="en-US" dirty="0"/>
           </a:p>
@@ -7153,7 +7153,7 @@
           <a:p>
             <a:fld id="{48A87A34-81AB-432B-8DAE-1953F412C126}" type="datetimeFigureOut">
               <a:rPr lang="en-US" dirty="0"/>
-              <a:t>1/31/2023</a:t>
+              <a:t>4/13/2023</a:t>
             </a:fld>
             <a:endParaRPr lang="en-US" dirty="0"/>
           </a:p>
@@ -7318,7 +7318,7 @@
           <a:p>
             <a:fld id="{48A87A34-81AB-432B-8DAE-1953F412C126}" type="datetimeFigureOut">
               <a:rPr lang="en-US" dirty="0"/>
-              <a:t>1/31/2023</a:t>
+              <a:t>4/13/2023</a:t>
             </a:fld>
             <a:endParaRPr lang="en-US" dirty="0"/>
           </a:p>
@@ -7563,7 +7563,7 @@
           <a:p>
             <a:fld id="{48A87A34-81AB-432B-8DAE-1953F412C126}" type="datetimeFigureOut">
               <a:rPr lang="en-US" dirty="0"/>
-              <a:t>1/31/2023</a:t>
+              <a:t>4/13/2023</a:t>
             </a:fld>
             <a:endParaRPr lang="en-US" dirty="0"/>
           </a:p>
@@ -7790,7 +7790,7 @@
           <a:p>
             <a:fld id="{48A87A34-81AB-432B-8DAE-1953F412C126}" type="datetimeFigureOut">
               <a:rPr lang="en-US" dirty="0"/>
-              <a:t>1/31/2023</a:t>
+              <a:t>4/13/2023</a:t>
             </a:fld>
             <a:endParaRPr lang="en-US" dirty="0"/>
           </a:p>
@@ -8166,7 +8166,7 @@
           <a:p>
             <a:fld id="{48A87A34-81AB-432B-8DAE-1953F412C126}" type="datetimeFigureOut">
               <a:rPr lang="en-US" dirty="0"/>
-              <a:t>1/31/2023</a:t>
+              <a:t>4/13/2023</a:t>
             </a:fld>
             <a:endParaRPr lang="en-US" dirty="0"/>
           </a:p>
@@ -8279,7 +8279,7 @@
           <a:p>
             <a:fld id="{48A87A34-81AB-432B-8DAE-1953F412C126}" type="datetimeFigureOut">
               <a:rPr lang="en-US" dirty="0"/>
-              <a:t>1/31/2023</a:t>
+              <a:t>4/13/2023</a:t>
             </a:fld>
             <a:endParaRPr lang="en-US" dirty="0"/>
           </a:p>
@@ -8369,7 +8369,7 @@
           <a:p>
             <a:fld id="{48A87A34-81AB-432B-8DAE-1953F412C126}" type="datetimeFigureOut">
               <a:rPr lang="en-US" dirty="0"/>
-              <a:t>1/31/2023</a:t>
+              <a:t>4/13/2023</a:t>
             </a:fld>
             <a:endParaRPr lang="en-US" dirty="0"/>
           </a:p>
@@ -8613,7 +8613,7 @@
           <a:p>
             <a:fld id="{48A87A34-81AB-432B-8DAE-1953F412C126}" type="datetimeFigureOut">
               <a:rPr lang="en-US" dirty="0"/>
-              <a:t>1/31/2023</a:t>
+              <a:t>4/13/2023</a:t>
             </a:fld>
             <a:endParaRPr lang="en-US" dirty="0"/>
           </a:p>
@@ -8888,7 +8888,7 @@
           <a:p>
             <a:fld id="{48A87A34-81AB-432B-8DAE-1953F412C126}" type="datetimeFigureOut">
               <a:rPr lang="en-US" dirty="0"/>
-              <a:t>1/31/2023</a:t>
+              <a:t>4/13/2023</a:t>
             </a:fld>
             <a:endParaRPr lang="en-US" dirty="0"/>
           </a:p>
@@ -9006,7 +9006,7 @@
           <a:noFill/>
           <a:extLst>
             <a:ext uri="{909E8E84-426E-40dd-AFC4-6F175D3DCCD1}">
-              <a14:hiddenFill xmlns="" xmlns:a14="http://schemas.microsoft.com/office/drawing/2010/main">
+              <a14:hiddenFill xmlns:a14="http://schemas.microsoft.com/office/drawing/2010/main" xmlns="">
                 <a:solidFill>
                   <a:srgbClr val="FFFFFF"/>
                 </a:solidFill>
@@ -9080,7 +9080,7 @@
               </a:ln>
               <a:extLst>
                 <a:ext uri="{91240B29-F687-4f45-9708-019B960494DF}">
-                  <a14:hiddenLine xmlns="" xmlns:a14="http://schemas.microsoft.com/office/drawing/2010/main" w="9525">
+                  <a14:hiddenLine xmlns:a14="http://schemas.microsoft.com/office/drawing/2010/main" xmlns="" w="9525">
                     <a:solidFill>
                       <a:srgbClr val="000000"/>
                     </a:solidFill>
@@ -9170,7 +9170,7 @@
               </a:ln>
               <a:extLst>
                 <a:ext uri="{91240B29-F687-4f45-9708-019B960494DF}">
-                  <a14:hiddenLine xmlns="" xmlns:a14="http://schemas.microsoft.com/office/drawing/2010/main" w="9525">
+                  <a14:hiddenLine xmlns:a14="http://schemas.microsoft.com/office/drawing/2010/main" xmlns="" w="9525">
                     <a:solidFill>
                       <a:srgbClr val="000000"/>
                     </a:solidFill>
@@ -9260,7 +9260,7 @@
               </a:ln>
               <a:extLst>
                 <a:ext uri="{91240B29-F687-4f45-9708-019B960494DF}">
-                  <a14:hiddenLine xmlns="" xmlns:a14="http://schemas.microsoft.com/office/drawing/2010/main" w="9525">
+                  <a14:hiddenLine xmlns:a14="http://schemas.microsoft.com/office/drawing/2010/main" xmlns="" w="9525">
                     <a:solidFill>
                       <a:srgbClr val="000000"/>
                     </a:solidFill>
@@ -9322,7 +9322,7 @@
               </a:ln>
               <a:extLst>
                 <a:ext uri="{91240B29-F687-4f45-9708-019B960494DF}">
-                  <a14:hiddenLine xmlns="" xmlns:a14="http://schemas.microsoft.com/office/drawing/2010/main" w="9525">
+                  <a14:hiddenLine xmlns:a14="http://schemas.microsoft.com/office/drawing/2010/main" xmlns="" w="9525">
                     <a:solidFill>
                       <a:srgbClr val="000000"/>
                     </a:solidFill>
@@ -9412,7 +9412,7 @@
               </a:ln>
               <a:extLst>
                 <a:ext uri="{91240B29-F687-4f45-9708-019B960494DF}">
-                  <a14:hiddenLine xmlns="" xmlns:a14="http://schemas.microsoft.com/office/drawing/2010/main" w="9525">
+                  <a14:hiddenLine xmlns:a14="http://schemas.microsoft.com/office/drawing/2010/main" xmlns="" w="9525">
                     <a:solidFill>
                       <a:srgbClr val="000000"/>
                     </a:solidFill>
@@ -9474,7 +9474,7 @@
               </a:ln>
               <a:extLst>
                 <a:ext uri="{91240B29-F687-4f45-9708-019B960494DF}">
-                  <a14:hiddenLine xmlns="" xmlns:a14="http://schemas.microsoft.com/office/drawing/2010/main" w="9525">
+                  <a14:hiddenLine xmlns:a14="http://schemas.microsoft.com/office/drawing/2010/main" xmlns="" w="9525">
                     <a:solidFill>
                       <a:srgbClr val="000000"/>
                     </a:solidFill>
@@ -9536,7 +9536,7 @@
               </a:ln>
               <a:extLst>
                 <a:ext uri="{91240B29-F687-4f45-9708-019B960494DF}">
-                  <a14:hiddenLine xmlns="" xmlns:a14="http://schemas.microsoft.com/office/drawing/2010/main" w="9525">
+                  <a14:hiddenLine xmlns:a14="http://schemas.microsoft.com/office/drawing/2010/main" xmlns="" w="9525">
                     <a:solidFill>
                       <a:srgbClr val="000000"/>
                     </a:solidFill>
@@ -9626,7 +9626,7 @@
               </a:ln>
               <a:extLst>
                 <a:ext uri="{91240B29-F687-4f45-9708-019B960494DF}">
-                  <a14:hiddenLine xmlns="" xmlns:a14="http://schemas.microsoft.com/office/drawing/2010/main" w="9525">
+                  <a14:hiddenLine xmlns:a14="http://schemas.microsoft.com/office/drawing/2010/main" xmlns="" w="9525">
                     <a:solidFill>
                       <a:srgbClr val="000000"/>
                     </a:solidFill>
@@ -9716,7 +9716,7 @@
               </a:ln>
               <a:extLst>
                 <a:ext uri="{91240B29-F687-4f45-9708-019B960494DF}">
-                  <a14:hiddenLine xmlns="" xmlns:a14="http://schemas.microsoft.com/office/drawing/2010/main" w="9525">
+                  <a14:hiddenLine xmlns:a14="http://schemas.microsoft.com/office/drawing/2010/main" xmlns="" w="9525">
                     <a:solidFill>
                       <a:srgbClr val="000000"/>
                     </a:solidFill>
@@ -9778,7 +9778,7 @@
               </a:ln>
               <a:extLst>
                 <a:ext uri="{91240B29-F687-4f45-9708-019B960494DF}">
-                  <a14:hiddenLine xmlns="" xmlns:a14="http://schemas.microsoft.com/office/drawing/2010/main" w="9525">
+                  <a14:hiddenLine xmlns:a14="http://schemas.microsoft.com/office/drawing/2010/main" xmlns="" w="9525">
                     <a:solidFill>
                       <a:srgbClr val="000000"/>
                     </a:solidFill>
@@ -9888,7 +9888,7 @@
               </a:ln>
               <a:extLst>
                 <a:ext uri="{91240B29-F687-4f45-9708-019B960494DF}">
-                  <a14:hiddenLine xmlns="" xmlns:a14="http://schemas.microsoft.com/office/drawing/2010/main" w="9525">
+                  <a14:hiddenLine xmlns:a14="http://schemas.microsoft.com/office/drawing/2010/main" xmlns="" w="9525">
                     <a:solidFill>
                       <a:srgbClr val="000000"/>
                     </a:solidFill>
@@ -9972,7 +9972,7 @@
               </a:ln>
               <a:extLst>
                 <a:ext uri="{91240B29-F687-4f45-9708-019B960494DF}">
-                  <a14:hiddenLine xmlns="" xmlns:a14="http://schemas.microsoft.com/office/drawing/2010/main" w="9525">
+                  <a14:hiddenLine xmlns:a14="http://schemas.microsoft.com/office/drawing/2010/main" xmlns="" w="9525">
                     <a:solidFill>
                       <a:srgbClr val="000000"/>
                     </a:solidFill>
@@ -10034,7 +10034,7 @@
               </a:ln>
               <a:extLst>
                 <a:ext uri="{91240B29-F687-4f45-9708-019B960494DF}">
-                  <a14:hiddenLine xmlns="" xmlns:a14="http://schemas.microsoft.com/office/drawing/2010/main" w="9525">
+                  <a14:hiddenLine xmlns:a14="http://schemas.microsoft.com/office/drawing/2010/main" xmlns="" w="9525">
                     <a:solidFill>
                       <a:srgbClr val="000000"/>
                     </a:solidFill>
@@ -10096,7 +10096,7 @@
               </a:ln>
               <a:extLst>
                 <a:ext uri="{91240B29-F687-4f45-9708-019B960494DF}">
-                  <a14:hiddenLine xmlns="" xmlns:a14="http://schemas.microsoft.com/office/drawing/2010/main" w="9525">
+                  <a14:hiddenLine xmlns:a14="http://schemas.microsoft.com/office/drawing/2010/main" xmlns="" w="9525">
                     <a:solidFill>
                       <a:srgbClr val="000000"/>
                     </a:solidFill>
@@ -10186,7 +10186,7 @@
               </a:ln>
               <a:extLst>
                 <a:ext uri="{91240B29-F687-4f45-9708-019B960494DF}">
-                  <a14:hiddenLine xmlns="" xmlns:a14="http://schemas.microsoft.com/office/drawing/2010/main" w="9525">
+                  <a14:hiddenLine xmlns:a14="http://schemas.microsoft.com/office/drawing/2010/main" xmlns="" w="9525">
                     <a:solidFill>
                       <a:srgbClr val="000000"/>
                     </a:solidFill>
@@ -10220,7 +10220,7 @@
               </a:ln>
               <a:extLst>
                 <a:ext uri="{91240B29-F687-4f45-9708-019B960494DF}">
-                  <a14:hiddenLine xmlns="" xmlns:a14="http://schemas.microsoft.com/office/drawing/2010/main" w="9525">
+                  <a14:hiddenLine xmlns:a14="http://schemas.microsoft.com/office/drawing/2010/main" xmlns="" w="9525">
                     <a:solidFill>
                       <a:srgbClr val="000000"/>
                     </a:solidFill>
@@ -10285,7 +10285,7 @@
               </a:ln>
               <a:extLst>
                 <a:ext uri="{91240B29-F687-4f45-9708-019B960494DF}">
-                  <a14:hiddenLine xmlns="" xmlns:a14="http://schemas.microsoft.com/office/drawing/2010/main" w="9525">
+                  <a14:hiddenLine xmlns:a14="http://schemas.microsoft.com/office/drawing/2010/main" xmlns="" w="9525">
                     <a:solidFill>
                       <a:srgbClr val="000000"/>
                     </a:solidFill>
@@ -10375,7 +10375,7 @@
               </a:ln>
               <a:extLst>
                 <a:ext uri="{91240B29-F687-4f45-9708-019B960494DF}">
-                  <a14:hiddenLine xmlns="" xmlns:a14="http://schemas.microsoft.com/office/drawing/2010/main" w="9525">
+                  <a14:hiddenLine xmlns:a14="http://schemas.microsoft.com/office/drawing/2010/main" xmlns="" w="9525">
                     <a:solidFill>
                       <a:srgbClr val="000000"/>
                     </a:solidFill>
@@ -10437,7 +10437,7 @@
               </a:ln>
               <a:extLst>
                 <a:ext uri="{91240B29-F687-4f45-9708-019B960494DF}">
-                  <a14:hiddenLine xmlns="" xmlns:a14="http://schemas.microsoft.com/office/drawing/2010/main" w="9525">
+                  <a14:hiddenLine xmlns:a14="http://schemas.microsoft.com/office/drawing/2010/main" xmlns="" w="9525">
                     <a:solidFill>
                       <a:srgbClr val="000000"/>
                     </a:solidFill>
@@ -10527,7 +10527,7 @@
               </a:ln>
               <a:extLst>
                 <a:ext uri="{91240B29-F687-4f45-9708-019B960494DF}">
-                  <a14:hiddenLine xmlns="" xmlns:a14="http://schemas.microsoft.com/office/drawing/2010/main" w="9525">
+                  <a14:hiddenLine xmlns:a14="http://schemas.microsoft.com/office/drawing/2010/main" xmlns="" w="9525">
                     <a:solidFill>
                       <a:srgbClr val="000000"/>
                     </a:solidFill>
@@ -10592,7 +10592,7 @@
               </a:ln>
               <a:extLst>
                 <a:ext uri="{91240B29-F687-4f45-9708-019B960494DF}">
-                  <a14:hiddenLine xmlns="" xmlns:a14="http://schemas.microsoft.com/office/drawing/2010/main" w="9525">
+                  <a14:hiddenLine xmlns:a14="http://schemas.microsoft.com/office/drawing/2010/main" xmlns="" w="9525">
                     <a:solidFill>
                       <a:srgbClr val="000000"/>
                     </a:solidFill>
@@ -10654,7 +10654,7 @@
               </a:ln>
               <a:extLst>
                 <a:ext uri="{91240B29-F687-4f45-9708-019B960494DF}">
-                  <a14:hiddenLine xmlns="" xmlns:a14="http://schemas.microsoft.com/office/drawing/2010/main" w="9525">
+                  <a14:hiddenLine xmlns:a14="http://schemas.microsoft.com/office/drawing/2010/main" xmlns="" w="9525">
                     <a:solidFill>
                       <a:srgbClr val="000000"/>
                     </a:solidFill>
@@ -10744,7 +10744,7 @@
               </a:ln>
               <a:extLst>
                 <a:ext uri="{91240B29-F687-4f45-9708-019B960494DF}">
-                  <a14:hiddenLine xmlns="" xmlns:a14="http://schemas.microsoft.com/office/drawing/2010/main" w="9525">
+                  <a14:hiddenLine xmlns:a14="http://schemas.microsoft.com/office/drawing/2010/main" xmlns="" w="9525">
                     <a:solidFill>
                       <a:srgbClr val="000000"/>
                     </a:solidFill>
@@ -10834,7 +10834,7 @@
               </a:ln>
               <a:extLst>
                 <a:ext uri="{91240B29-F687-4f45-9708-019B960494DF}">
-                  <a14:hiddenLine xmlns="" xmlns:a14="http://schemas.microsoft.com/office/drawing/2010/main" w="9525">
+                  <a14:hiddenLine xmlns:a14="http://schemas.microsoft.com/office/drawing/2010/main" xmlns="" w="9525">
                     <a:solidFill>
                       <a:srgbClr val="000000"/>
                     </a:solidFill>
@@ -10899,7 +10899,7 @@
               </a:ln>
               <a:extLst>
                 <a:ext uri="{91240B29-F687-4f45-9708-019B960494DF}">
-                  <a14:hiddenLine xmlns="" xmlns:a14="http://schemas.microsoft.com/office/drawing/2010/main" w="9525">
+                  <a14:hiddenLine xmlns:a14="http://schemas.microsoft.com/office/drawing/2010/main" xmlns="" w="9525">
                     <a:solidFill>
                       <a:srgbClr val="000000"/>
                     </a:solidFill>
@@ -11019,7 +11019,7 @@
               </a:ln>
               <a:extLst>
                 <a:ext uri="{91240B29-F687-4f45-9708-019B960494DF}">
-                  <a14:hiddenLine xmlns="" xmlns:a14="http://schemas.microsoft.com/office/drawing/2010/main" w="9525">
+                  <a14:hiddenLine xmlns:a14="http://schemas.microsoft.com/office/drawing/2010/main" xmlns="" w="9525">
                     <a:solidFill>
                       <a:srgbClr val="000000"/>
                     </a:solidFill>
@@ -11100,7 +11100,7 @@
               </a:ln>
               <a:extLst>
                 <a:ext uri="{91240B29-F687-4f45-9708-019B960494DF}">
-                  <a14:hiddenLine xmlns="" xmlns:a14="http://schemas.microsoft.com/office/drawing/2010/main" w="9525">
+                  <a14:hiddenLine xmlns:a14="http://schemas.microsoft.com/office/drawing/2010/main" xmlns="" w="9525">
                     <a:solidFill>
                       <a:srgbClr val="000000"/>
                     </a:solidFill>
@@ -11215,7 +11215,7 @@
               </a:ln>
               <a:extLst>
                 <a:ext uri="{91240B29-F687-4f45-9708-019B960494DF}">
-                  <a14:hiddenLine xmlns="" xmlns:a14="http://schemas.microsoft.com/office/drawing/2010/main" w="9525">
+                  <a14:hiddenLine xmlns:a14="http://schemas.microsoft.com/office/drawing/2010/main" xmlns="" w="9525">
                     <a:solidFill>
                       <a:srgbClr val="000000"/>
                     </a:solidFill>
@@ -11305,7 +11305,7 @@
               </a:ln>
               <a:extLst>
                 <a:ext uri="{91240B29-F687-4f45-9708-019B960494DF}">
-                  <a14:hiddenLine xmlns="" xmlns:a14="http://schemas.microsoft.com/office/drawing/2010/main" w="9525">
+                  <a14:hiddenLine xmlns:a14="http://schemas.microsoft.com/office/drawing/2010/main" xmlns="" w="9525">
                     <a:solidFill>
                       <a:srgbClr val="000000"/>
                     </a:solidFill>
@@ -11370,7 +11370,7 @@
               </a:ln>
               <a:extLst>
                 <a:ext uri="{91240B29-F687-4f45-9708-019B960494DF}">
-                  <a14:hiddenLine xmlns="" xmlns:a14="http://schemas.microsoft.com/office/drawing/2010/main" w="9525">
+                  <a14:hiddenLine xmlns:a14="http://schemas.microsoft.com/office/drawing/2010/main" xmlns="" w="9525">
                     <a:solidFill>
                       <a:srgbClr val="000000"/>
                     </a:solidFill>
@@ -11460,7 +11460,7 @@
               </a:ln>
               <a:extLst>
                 <a:ext uri="{91240B29-F687-4f45-9708-019B960494DF}">
-                  <a14:hiddenLine xmlns="" xmlns:a14="http://schemas.microsoft.com/office/drawing/2010/main" w="9525">
+                  <a14:hiddenLine xmlns:a14="http://schemas.microsoft.com/office/drawing/2010/main" xmlns="" w="9525">
                     <a:solidFill>
                       <a:srgbClr val="000000"/>
                     </a:solidFill>
@@ -11528,7 +11528,7 @@
               </a:ln>
               <a:extLst>
                 <a:ext uri="{91240B29-F687-4f45-9708-019B960494DF}">
-                  <a14:hiddenLine xmlns="" xmlns:a14="http://schemas.microsoft.com/office/drawing/2010/main" w="9525">
+                  <a14:hiddenLine xmlns:a14="http://schemas.microsoft.com/office/drawing/2010/main" xmlns="" w="9525">
                     <a:solidFill>
                       <a:srgbClr val="000000"/>
                     </a:solidFill>
@@ -11618,7 +11618,7 @@
               </a:ln>
               <a:extLst>
                 <a:ext uri="{91240B29-F687-4f45-9708-019B960494DF}">
-                  <a14:hiddenLine xmlns="" xmlns:a14="http://schemas.microsoft.com/office/drawing/2010/main" w="9525">
+                  <a14:hiddenLine xmlns:a14="http://schemas.microsoft.com/office/drawing/2010/main" xmlns="" w="9525">
                     <a:solidFill>
                       <a:srgbClr val="000000"/>
                     </a:solidFill>
@@ -11686,7 +11686,7 @@
               </a:ln>
               <a:extLst>
                 <a:ext uri="{91240B29-F687-4f45-9708-019B960494DF}">
-                  <a14:hiddenLine xmlns="" xmlns:a14="http://schemas.microsoft.com/office/drawing/2010/main" w="9525">
+                  <a14:hiddenLine xmlns:a14="http://schemas.microsoft.com/office/drawing/2010/main" xmlns="" w="9525">
                     <a:solidFill>
                       <a:srgbClr val="000000"/>
                     </a:solidFill>
@@ -11776,7 +11776,7 @@
               </a:ln>
               <a:extLst>
                 <a:ext uri="{91240B29-F687-4f45-9708-019B960494DF}">
-                  <a14:hiddenLine xmlns="" xmlns:a14="http://schemas.microsoft.com/office/drawing/2010/main" w="9525">
+                  <a14:hiddenLine xmlns:a14="http://schemas.microsoft.com/office/drawing/2010/main" xmlns="" w="9525">
                     <a:solidFill>
                       <a:srgbClr val="000000"/>
                     </a:solidFill>
@@ -11810,7 +11810,7 @@
               </a:ln>
               <a:extLst>
                 <a:ext uri="{91240B29-F687-4f45-9708-019B960494DF}">
-                  <a14:hiddenLine xmlns="" xmlns:a14="http://schemas.microsoft.com/office/drawing/2010/main" w="9525">
+                  <a14:hiddenLine xmlns:a14="http://schemas.microsoft.com/office/drawing/2010/main" xmlns="" w="9525">
                     <a:solidFill>
                       <a:srgbClr val="000000"/>
                     </a:solidFill>
@@ -11951,7 +11951,7 @@
             <a:fld id="{48A87A34-81AB-432B-8DAE-1953F412C126}" type="datetimeFigureOut">
               <a:rPr lang="en-US" dirty="0"/>
               <a:pPr/>
-              <a:t>1/31/2023</a:t>
+              <a:t>4/13/2023</a:t>
             </a:fld>
             <a:endParaRPr lang="en-US" dirty="0"/>
           </a:p>
@@ -12383,7 +12383,12 @@
             <p:ph type="ctrTitle"/>
           </p:nvPr>
         </p:nvSpPr>
-        <p:spPr/>
+        <p:spPr>
+          <a:xfrm>
+            <a:off x="1876424" y="2021305"/>
+            <a:ext cx="8791575" cy="756820"/>
+          </a:xfrm>
+        </p:spPr>
         <p:txBody>
           <a:bodyPr/>
           <a:lstStyle/>
@@ -12391,14 +12396,7 @@
             <a:pPr algn="ctr"/>
             <a:r>
               <a:rPr lang="en-US" dirty="0"/>
-              <a:t>Rockwell automation</a:t>
-            </a:r>
-            <a:br>
-              <a:rPr lang="en-US" dirty="0"/>
-            </a:br>
-            <a:r>
-              <a:rPr lang="en-US" dirty="0"/>
-              <a:t>presentation</a:t>
+              <a:t>Interview presentation</a:t>
             </a:r>
             <a:endParaRPr lang="en-SG" dirty="0"/>
           </a:p>
@@ -12420,34 +12418,36 @@
             <p:ph type="subTitle" idx="1"/>
           </p:nvPr>
         </p:nvSpPr>
-        <p:spPr/>
+        <p:spPr>
+          <a:xfrm>
+            <a:off x="1876423" y="3373104"/>
+            <a:ext cx="8791575" cy="1062789"/>
+          </a:xfrm>
+        </p:spPr>
         <p:txBody>
-          <a:bodyPr/>
+          <a:bodyPr>
+            <a:normAutofit/>
+          </a:bodyPr>
           <a:lstStyle/>
           <a:p>
-            <a:r>
-              <a:rPr lang="en-US" dirty="0"/>
-              <a:t>Role: Senior engineer, embedded software</a:t>
-            </a:r>
-          </a:p>
-          <a:p>
-            <a:r>
-              <a:rPr lang="en-US" dirty="0"/>
+            <a:pPr algn="ctr"/>
+            <a:r>
+              <a:rPr lang="en-US" sz="3200" dirty="0"/>
               <a:t>Tran </a:t>
             </a:r>
             <a:r>
-              <a:rPr lang="en-US" dirty="0" err="1"/>
+              <a:rPr lang="en-US" sz="3200" dirty="0" err="1"/>
               <a:t>truong</a:t>
             </a:r>
             <a:r>
-              <a:rPr lang="en-US" dirty="0"/>
+              <a:rPr lang="en-US" sz="3200" dirty="0"/>
               <a:t> </a:t>
             </a:r>
             <a:r>
-              <a:rPr lang="en-US" b="1" u="sng" dirty="0" err="1"/>
+              <a:rPr lang="en-US" sz="3200" b="1" u="sng" dirty="0" err="1"/>
               <a:t>giang</a:t>
             </a:r>
-            <a:endParaRPr lang="en-SG" b="1" u="sng" dirty="0"/>
+            <a:endParaRPr lang="en-SG" sz="3200" b="1" u="sng" dirty="0"/>
           </a:p>
         </p:txBody>
       </p:sp>
@@ -12541,7 +12541,7 @@
         </p:spPr>
         <p:txBody>
           <a:bodyPr>
-            <a:normAutofit lnSpcReduction="10000"/>
+            <a:normAutofit/>
           </a:bodyPr>
           <a:lstStyle/>
           <a:p>
@@ -12557,7 +12557,7 @@
             </a:pPr>
             <a:r>
               <a:rPr lang="en-SG" sz="1800" dirty="0"/>
-              <a:t>Mechanical Engineering – Mechatronics stream (NTU, 2017)</a:t>
+              <a:t>Mechanical Engineering – Mechatronics stream (Nanyang Technological University, 2017)</a:t>
             </a:r>
           </a:p>
           <a:p>
@@ -12599,22 +12599,7 @@
             </a:pPr>
             <a:r>
               <a:rPr lang="en-US" sz="1800" dirty="0"/>
-              <a:t>Object-Oriented Data Structures in C++ (Coursera)</a:t>
-            </a:r>
-          </a:p>
-          <a:p>
-            <a:pPr marL="0" indent="0">
-              <a:buNone/>
-            </a:pPr>
-            <a:r>
-              <a:rPr lang="en-US" sz="1800" dirty="0"/>
-              <a:t>Python Mega course (Udemy, taking)</a:t>
-            </a:r>
-          </a:p>
-          <a:p>
-            <a:r>
-              <a:rPr lang="en-US" sz="1800" dirty="0"/>
-              <a:t>Leadership role:</a:t>
+              <a:t>Object-Oriented Data Structures in C++ (Coursera) Leadership role:</a:t>
             </a:r>
           </a:p>
           <a:p>
@@ -12643,7 +12628,7 @@
         <p:spPr>
           <a:xfrm>
             <a:off x="6177702" y="1107612"/>
-            <a:ext cx="5323000" cy="2862322"/>
+            <a:ext cx="5323000" cy="5078313"/>
           </a:xfrm>
           <a:prstGeom prst="rect">
             <a:avLst/>
@@ -12666,7 +12651,7 @@
             </a:r>
           </a:p>
           <a:p>
-            <a:pPr marL="742950" lvl="1" indent="-285750">
+            <a:pPr marL="285750" indent="-285750">
               <a:buFont typeface="Wingdings" panose="05000000000000000000" pitchFamily="2" charset="2"/>
               <a:buChar char="§"/>
             </a:pPr>
@@ -12676,18 +12661,53 @@
             </a:r>
           </a:p>
           <a:p>
-            <a:pPr lvl="1"/>
+            <a:r>
+              <a:rPr lang="en-US" i="1" dirty="0"/>
+              <a:t>	Interior Camera Platform</a:t>
+            </a:r>
             <a:r>
               <a:rPr lang="en-US" dirty="0"/>
-              <a:t>Interior Camera Platform: Bring up software/drivers for hardware, develop base software for project teams (3 successful demos presented, 1 is about to be presented)</a:t>
-            </a:r>
-          </a:p>
-          <a:p>
-            <a:pPr lvl="1"/>
+              <a:t>: Bring up software/drivers for hardware, develop base software for project teams (project demo was successfully delivered on time)</a:t>
+            </a:r>
+          </a:p>
+          <a:p>
+            <a:r>
+              <a:rPr lang="en-US" i="1" dirty="0"/>
+              <a:t>	BMW Driver Camera System</a:t>
+            </a:r>
             <a:r>
               <a:rPr lang="en-US" dirty="0"/>
-              <a:t>BMW Driver Camera System: Analyzed Customer requirement for Diagnostics module, fixed bug, aligned with customers and other stakeholders to get the agreement on the requirement.</a:t>
-            </a:r>
+              <a:t>: Analyzed Customer requirement for Diagnostics module, fixed bug, aligned with customers and other stakeholders to get the agreement on the requirement (product is released on market)</a:t>
+            </a:r>
+          </a:p>
+          <a:p>
+            <a:r>
+              <a:rPr lang="en-US" i="1" dirty="0"/>
+              <a:t>	Innovation project, 5MP RGB-</a:t>
+            </a:r>
+            <a:r>
+              <a:rPr lang="en-US" i="1" dirty="0" err="1"/>
+              <a:t>Ir</a:t>
+            </a:r>
+            <a:r>
+              <a:rPr lang="en-US" i="1" dirty="0"/>
+              <a:t> integration to HPC system</a:t>
+            </a:r>
+            <a:r>
+              <a:rPr lang="en-US" dirty="0"/>
+              <a:t>: Bring up driver for camera hardware, integrate the new camera driver to driver monitoring system (project demo was successfully delivered)</a:t>
+            </a:r>
+          </a:p>
+          <a:p>
+            <a:r>
+              <a:rPr lang="en-US" i="1" dirty="0"/>
+              <a:t>	Generic software working with USB camera and Raspberry Pi for internal demo</a:t>
+            </a:r>
+            <a:r>
+              <a:rPr lang="en-US" dirty="0"/>
+              <a:t>: Integrate USB Camera with Driver monitoring system software Algo team to demo a new algo library</a:t>
+            </a:r>
+            <a:endParaRPr lang="en-US" i="1" dirty="0"/>
           </a:p>
         </p:txBody>
       </p:sp>
@@ -12850,13 +12870,19 @@
           <a:p>
             <a:r>
               <a:rPr lang="en-US" dirty="0"/>
-              <a:t>IDE: VS Code</a:t>
-            </a:r>
-          </a:p>
-          <a:p>
-            <a:r>
-              <a:rPr lang="en-US" dirty="0"/>
-              <a:t>Microcontroller: Renesas V3M (dual core Arm v7 and Arm v8)</a:t>
+              <a:t>This is a small diagram to roughly describe my implementation for the ICCOM module base on what I remember: </a:t>
+            </a:r>
+            <a:r>
+              <a:rPr lang="en-SG" dirty="0" err="1">
+                <a:hlinkClick r:id="rId3"/>
+              </a:rPr>
+              <a:t>iccom.drawio</a:t>
+            </a:r>
+            <a:r>
+              <a:rPr lang="en-SG" dirty="0">
+                <a:hlinkClick r:id="rId3"/>
+              </a:rPr>
+              <a:t> - diagrams.net</a:t>
             </a:r>
             <a:endParaRPr lang="en-SG" dirty="0"/>
           </a:p>
@@ -12876,6 +12902,140 @@
 </file>
 
 <file path=ppt/slides/slide4.xml><?xml version="1.0" encoding="utf-8"?>
+<p:sld xmlns:a="http://schemas.openxmlformats.org/drawingml/2006/main" xmlns:r="http://schemas.openxmlformats.org/officeDocument/2006/relationships" xmlns:p="http://schemas.openxmlformats.org/presentationml/2006/main">
+  <p:cSld>
+    <p:spTree>
+      <p:nvGrpSpPr>
+        <p:cNvPr id="1" name=""/>
+        <p:cNvGrpSpPr/>
+        <p:nvPr/>
+      </p:nvGrpSpPr>
+      <p:grpSpPr>
+        <a:xfrm>
+          <a:off x="0" y="0"/>
+          <a:ext cx="0" cy="0"/>
+          <a:chOff x="0" y="0"/>
+          <a:chExt cx="0" cy="0"/>
+        </a:xfrm>
+      </p:grpSpPr>
+      <p:sp>
+        <p:nvSpPr>
+          <p:cNvPr id="2" name="Title 1">
+            <a:extLst>
+              <a:ext uri="{FF2B5EF4-FFF2-40B4-BE49-F238E27FC236}">
+                <a16:creationId xmlns:a16="http://schemas.microsoft.com/office/drawing/2014/main" id="{F1B3C7FF-DC81-B1BB-11B3-87F5BD77EF0C}"/>
+              </a:ext>
+            </a:extLst>
+          </p:cNvPr>
+          <p:cNvSpPr>
+            <a:spLocks noGrp="1"/>
+          </p:cNvSpPr>
+          <p:nvPr>
+            <p:ph type="title"/>
+          </p:nvPr>
+        </p:nvSpPr>
+        <p:spPr/>
+        <p:txBody>
+          <a:bodyPr/>
+          <a:lstStyle/>
+          <a:p>
+            <a:r>
+              <a:rPr lang="en-US" dirty="0"/>
+              <a:t>Project: BMW Driver camera system</a:t>
+            </a:r>
+            <a:endParaRPr lang="en-SG" dirty="0"/>
+          </a:p>
+        </p:txBody>
+      </p:sp>
+      <p:sp>
+        <p:nvSpPr>
+          <p:cNvPr id="3" name="Content Placeholder 2">
+            <a:extLst>
+              <a:ext uri="{FF2B5EF4-FFF2-40B4-BE49-F238E27FC236}">
+                <a16:creationId xmlns:a16="http://schemas.microsoft.com/office/drawing/2014/main" id="{D929F686-DD32-E483-CDEE-CF77DF8C3F6D}"/>
+              </a:ext>
+            </a:extLst>
+          </p:cNvPr>
+          <p:cNvSpPr>
+            <a:spLocks noGrp="1"/>
+          </p:cNvSpPr>
+          <p:nvPr>
+            <p:ph idx="1"/>
+          </p:nvPr>
+        </p:nvSpPr>
+        <p:spPr/>
+        <p:txBody>
+          <a:bodyPr>
+            <a:normAutofit/>
+          </a:bodyPr>
+          <a:lstStyle/>
+          <a:p>
+            <a:pPr marL="0" indent="0">
+              <a:buNone/>
+            </a:pPr>
+            <a:r>
+              <a:rPr lang="en-US" sz="1800" dirty="0"/>
+              <a:t>I wish that I can put something here, but it was long time ago and I couldn’t access to the project document anymore, so I cannot recall to roughly describe some significant implementations that I made for this project </a:t>
+            </a:r>
+            <a:r>
+              <a:rPr lang="en-US" sz="1800" dirty="0">
+                <a:sym typeface="Wingdings" panose="05000000000000000000" pitchFamily="2" charset="2"/>
+              </a:rPr>
+              <a:t></a:t>
+            </a:r>
+          </a:p>
+          <a:p>
+            <a:pPr marL="0" indent="0">
+              <a:buNone/>
+            </a:pPr>
+            <a:r>
+              <a:rPr lang="en-SG" sz="1800" dirty="0"/>
+              <a:t>All I can tell is I worked on Diagnostics module and fixed bugs for this module. I contributed greatly on analysing, discussing, implementing and testing on NO_I2C_COMM Diagnostic trouble code.</a:t>
+            </a:r>
+          </a:p>
+          <a:p>
+            <a:pPr marL="0" indent="0">
+              <a:buNone/>
+            </a:pPr>
+            <a:r>
+              <a:rPr lang="en-SG" sz="1800" dirty="0"/>
+              <a:t>Role: Developer</a:t>
+            </a:r>
+          </a:p>
+          <a:p>
+            <a:pPr marL="0" indent="0">
+              <a:buNone/>
+            </a:pPr>
+            <a:r>
+              <a:rPr lang="en-SG" sz="1800" dirty="0"/>
+              <a:t>Programming language: C++ (For application development)</a:t>
+            </a:r>
+          </a:p>
+          <a:p>
+            <a:pPr marL="0" indent="0">
+              <a:buNone/>
+            </a:pPr>
+            <a:r>
+              <a:rPr lang="en-SG" sz="1800" dirty="0"/>
+              <a:t>Module: Diagnostics</a:t>
+            </a:r>
+          </a:p>
+        </p:txBody>
+      </p:sp>
+    </p:spTree>
+    <p:extLst>
+      <p:ext uri="{BB962C8B-B14F-4D97-AF65-F5344CB8AC3E}">
+        <p14:creationId xmlns:p14="http://schemas.microsoft.com/office/powerpoint/2010/main" val="1527678867"/>
+      </p:ext>
+    </p:extLst>
+  </p:cSld>
+  <p:clrMapOvr>
+    <a:masterClrMapping/>
+  </p:clrMapOvr>
+</p:sld>
+</file>
+
+<file path=ppt/slides/slide5.xml><?xml version="1.0" encoding="utf-8"?>
 <p:sld xmlns:a="http://schemas.openxmlformats.org/drawingml/2006/main" xmlns:r="http://schemas.openxmlformats.org/officeDocument/2006/relationships" xmlns:p="http://schemas.openxmlformats.org/presentationml/2006/main">
   <p:cSld>
     <p:spTree>
@@ -12972,7 +13132,7 @@
         <p:spPr>
           <a:xfrm>
             <a:off x="1362634" y="4849906"/>
-            <a:ext cx="9905997" cy="2031325"/>
+            <a:ext cx="9905997" cy="1754326"/>
           </a:xfrm>
           <a:prstGeom prst="rect">
             <a:avLst/>
@@ -13004,20 +13164,16 @@
           </a:p>
           <a:p>
             <a:r>
-              <a:rPr lang="en-SG" dirty="0"/>
-              <a:t>IDE: </a:t>
-            </a:r>
-            <a:r>
-              <a:rPr lang="en-SG" dirty="0" err="1"/>
-              <a:t>VSCode</a:t>
+              <a:rPr lang="en-US" dirty="0"/>
+              <a:t>This diagram will describe better my implementation: </a:t>
+            </a:r>
+            <a:r>
+              <a:rPr lang="en-SG" dirty="0">
+                <a:hlinkClick r:id="rId3"/>
+              </a:rPr>
+              <a:t>Integrate_5MP_RGBIr_CHPC.drawio - diagrams.net</a:t>
             </a:r>
             <a:endParaRPr lang="en-SG" dirty="0"/>
-          </a:p>
-          <a:p>
-            <a:r>
-              <a:rPr lang="en-SG" dirty="0"/>
-              <a:t>Microcontroller: Qualcomm SA8155 (Arm v8)</a:t>
-            </a:r>
           </a:p>
         </p:txBody>
       </p:sp>
@@ -13034,7 +13190,169 @@
 </p:sld>
 </file>
 
-<file path=ppt/slides/slide5.xml><?xml version="1.0" encoding="utf-8"?>
+<file path=ppt/slides/slide6.xml><?xml version="1.0" encoding="utf-8"?>
+<p:sld xmlns:a="http://schemas.openxmlformats.org/drawingml/2006/main" xmlns:r="http://schemas.openxmlformats.org/officeDocument/2006/relationships" xmlns:p="http://schemas.openxmlformats.org/presentationml/2006/main">
+  <p:cSld>
+    <p:spTree>
+      <p:nvGrpSpPr>
+        <p:cNvPr id="1" name=""/>
+        <p:cNvGrpSpPr/>
+        <p:nvPr/>
+      </p:nvGrpSpPr>
+      <p:grpSpPr>
+        <a:xfrm>
+          <a:off x="0" y="0"/>
+          <a:ext cx="0" cy="0"/>
+          <a:chOff x="0" y="0"/>
+          <a:chExt cx="0" cy="0"/>
+        </a:xfrm>
+      </p:grpSpPr>
+      <p:sp>
+        <p:nvSpPr>
+          <p:cNvPr id="2" name="Title 1">
+            <a:extLst>
+              <a:ext uri="{FF2B5EF4-FFF2-40B4-BE49-F238E27FC236}">
+                <a16:creationId xmlns:a16="http://schemas.microsoft.com/office/drawing/2014/main" id="{CE0479CC-E2C2-0828-906F-DEEE5F342599}"/>
+              </a:ext>
+            </a:extLst>
+          </p:cNvPr>
+          <p:cNvSpPr>
+            <a:spLocks noGrp="1"/>
+          </p:cNvSpPr>
+          <p:nvPr>
+            <p:ph type="title"/>
+          </p:nvPr>
+        </p:nvSpPr>
+        <p:spPr/>
+        <p:txBody>
+          <a:bodyPr/>
+          <a:lstStyle/>
+          <a:p>
+            <a:r>
+              <a:rPr lang="en-US" dirty="0"/>
+              <a:t>Small project: integrate </a:t>
+            </a:r>
+            <a:r>
+              <a:rPr lang="en-US" dirty="0" err="1"/>
+              <a:t>Usb</a:t>
+            </a:r>
+            <a:r>
+              <a:rPr lang="en-US" dirty="0"/>
+              <a:t> cam with </a:t>
+            </a:r>
+            <a:r>
+              <a:rPr lang="en-US" dirty="0" err="1"/>
+              <a:t>dms</a:t>
+            </a:r>
+            <a:r>
+              <a:rPr lang="en-US" dirty="0"/>
+              <a:t> on raspberry pi 4 board</a:t>
+            </a:r>
+            <a:endParaRPr lang="en-SG" dirty="0"/>
+          </a:p>
+        </p:txBody>
+      </p:sp>
+      <p:sp>
+        <p:nvSpPr>
+          <p:cNvPr id="3" name="Content Placeholder 2">
+            <a:extLst>
+              <a:ext uri="{FF2B5EF4-FFF2-40B4-BE49-F238E27FC236}">
+                <a16:creationId xmlns:a16="http://schemas.microsoft.com/office/drawing/2014/main" id="{0681E910-280C-1D71-8EA8-2299AF4A3093}"/>
+              </a:ext>
+            </a:extLst>
+          </p:cNvPr>
+          <p:cNvSpPr>
+            <a:spLocks noGrp="1"/>
+          </p:cNvSpPr>
+          <p:nvPr>
+            <p:ph idx="1"/>
+          </p:nvPr>
+        </p:nvSpPr>
+        <p:spPr/>
+        <p:txBody>
+          <a:bodyPr/>
+          <a:lstStyle/>
+          <a:p>
+            <a:pPr marL="0" indent="0">
+              <a:buNone/>
+            </a:pPr>
+            <a:r>
+              <a:rPr lang="en-US" dirty="0"/>
+              <a:t>The implementation that I made will be provided in this diagram: </a:t>
+            </a:r>
+            <a:r>
+              <a:rPr lang="en-SG" dirty="0" err="1">
+                <a:hlinkClick r:id="rId2"/>
+              </a:rPr>
+              <a:t>TobiiDemo.drawio</a:t>
+            </a:r>
+            <a:r>
+              <a:rPr lang="en-SG" dirty="0">
+                <a:hlinkClick r:id="rId2"/>
+              </a:rPr>
+              <a:t> - diagrams.net</a:t>
+            </a:r>
+            <a:endParaRPr lang="en-SG" dirty="0"/>
+          </a:p>
+          <a:p>
+            <a:pPr marL="0" indent="0">
+              <a:buNone/>
+            </a:pPr>
+            <a:r>
+              <a:rPr lang="en-SG" dirty="0"/>
+              <a:t>Role: Developer</a:t>
+            </a:r>
+          </a:p>
+          <a:p>
+            <a:pPr marL="0" indent="0">
+              <a:buNone/>
+            </a:pPr>
+            <a:r>
+              <a:rPr lang="en-SG" dirty="0"/>
+              <a:t>Programming language: C++ (application development), </a:t>
+            </a:r>
+            <a:r>
+              <a:rPr lang="en-SG" dirty="0" err="1"/>
+              <a:t>bitbake</a:t>
+            </a:r>
+            <a:r>
+              <a:rPr lang="en-SG" dirty="0"/>
+              <a:t> script and </a:t>
+            </a:r>
+            <a:r>
+              <a:rPr lang="en-SG" dirty="0" err="1"/>
+              <a:t>Cmake</a:t>
+            </a:r>
+            <a:r>
+              <a:rPr lang="en-SG" dirty="0"/>
+              <a:t> (software compilation)</a:t>
+            </a:r>
+          </a:p>
+          <a:p>
+            <a:pPr marL="0" indent="0">
+              <a:buNone/>
+            </a:pPr>
+            <a:r>
+              <a:rPr lang="en-SG" dirty="0"/>
+              <a:t>Module: Camera Control.</a:t>
+            </a:r>
+          </a:p>
+        </p:txBody>
+      </p:sp>
+    </p:spTree>
+    <p:extLst>
+      <p:ext uri="{BB962C8B-B14F-4D97-AF65-F5344CB8AC3E}">
+        <p14:creationId xmlns:p14="http://schemas.microsoft.com/office/powerpoint/2010/main" val="3235768264"/>
+      </p:ext>
+    </p:extLst>
+  </p:cSld>
+  <p:clrMapOvr>
+    <a:masterClrMapping/>
+  </p:clrMapOvr>
+</p:sld>
+</file>
+
+<file path=ppt/slides/slide7.xml><?xml version="1.0" encoding="utf-8"?>
 <p:sld xmlns:a="http://schemas.openxmlformats.org/drawingml/2006/main" xmlns:r="http://schemas.openxmlformats.org/officeDocument/2006/relationships" xmlns:p="http://schemas.openxmlformats.org/presentationml/2006/main">
   <p:cSld>
     <p:spTree>
@@ -13124,6 +13442,12 @@
               <a:t>Team player: actively support teammates and give them guidance within my capability. Write documentations, provide ideas and automated scripts to help boost the team productivity.</a:t>
             </a:r>
           </a:p>
+          <a:p>
+            <a:r>
+              <a:rPr lang="en-US" dirty="0"/>
+              <a:t>Besides, I have experience in reading manuals, schematics, using oscilloscope to measure and test HW working conditions.</a:t>
+            </a:r>
+          </a:p>
         </p:txBody>
       </p:sp>
     </p:spTree>
@@ -13139,20 +13463,9 @@
 </p:sld>
 </file>
 
-<file path=ppt/slides/slide6.xml><?xml version="1.0" encoding="utf-8"?>
-<p:sld xmlns:a="http://schemas.openxmlformats.org/drawingml/2006/main" xmlns:r="http://schemas.openxmlformats.org/officeDocument/2006/relationships" xmlns:p="http://schemas.openxmlformats.org/presentationml/2006/main" showMasterSp="0">
+<file path=ppt/slides/slide8.xml><?xml version="1.0" encoding="utf-8"?>
+<p:sld xmlns:a="http://schemas.openxmlformats.org/drawingml/2006/main" xmlns:r="http://schemas.openxmlformats.org/officeDocument/2006/relationships" xmlns:p="http://schemas.openxmlformats.org/presentationml/2006/main">
   <p:cSld>
-    <p:bg>
-      <p:bgPr>
-        <a:solidFill>
-          <a:schemeClr val="bg1">
-            <a:lumMod val="95000"/>
-            <a:lumOff val="5000"/>
-          </a:schemeClr>
-        </a:solidFill>
-        <a:effectLst/>
-      </p:bgPr>
-    </p:bg>
     <p:spTree>
       <p:nvGrpSpPr>
         <p:cNvPr id="1" name=""/>
@@ -13167,57 +13480,59 @@
           <a:chExt cx="0" cy="0"/>
         </a:xfrm>
       </p:grpSpPr>
-      <p:pic>
-        <p:nvPicPr>
-          <p:cNvPr id="1028" name="Picture 4" descr="Image of a computer key with a job interview thank you note email">
+      <p:sp>
+        <p:nvSpPr>
+          <p:cNvPr id="2" name="Title 1">
             <a:extLst>
               <a:ext uri="{FF2B5EF4-FFF2-40B4-BE49-F238E27FC236}">
-                <a16:creationId xmlns:a16="http://schemas.microsoft.com/office/drawing/2014/main" id="{DD6C696A-09A1-6005-CB9F-C88F1B7EF357}"/>
+                <a16:creationId xmlns:a16="http://schemas.microsoft.com/office/drawing/2014/main" id="{2E9FA4CB-1490-766F-800B-7500C16BAB99}"/>
               </a:ext>
             </a:extLst>
           </p:cNvPr>
-          <p:cNvPicPr>
-            <a:picLocks noChangeAspect="1" noChangeArrowheads="1"/>
-          </p:cNvPicPr>
-          <p:nvPr/>
-        </p:nvPicPr>
-        <p:blipFill>
-          <a:blip r:embed="rId2">
-            <a:extLst>
-              <a:ext uri="{28A0092B-C50C-407E-A947-70E740481C1C}">
-                <a14:useLocalDpi xmlns:a14="http://schemas.microsoft.com/office/drawing/2010/main" val="0"/>
-              </a:ext>
-            </a:extLst>
-          </a:blip>
-          <a:srcRect/>
-          <a:stretch>
-            <a:fillRect/>
-          </a:stretch>
-        </p:blipFill>
-        <p:spPr bwMode="auto">
+          <p:cNvSpPr>
+            <a:spLocks noGrp="1"/>
+          </p:cNvSpPr>
+          <p:nvPr>
+            <p:ph type="title"/>
+          </p:nvPr>
+        </p:nvSpPr>
+        <p:spPr>
           <a:xfrm>
-            <a:off x="1706563" y="0"/>
-            <a:ext cx="8778875" cy="6858000"/>
+            <a:off x="1143001" y="2575655"/>
+            <a:ext cx="9905998" cy="1478570"/>
           </a:xfrm>
-          <a:prstGeom prst="rect">
-            <a:avLst/>
-          </a:prstGeom>
-          <a:noFill/>
-          <a:extLst>
-            <a:ext uri="{909E8E84-426E-40DD-AFC4-6F175D3DCCD1}">
-              <a14:hiddenFill xmlns:a14="http://schemas.microsoft.com/office/drawing/2010/main">
-                <a:solidFill>
-                  <a:srgbClr val="FFFFFF"/>
-                </a:solidFill>
-              </a14:hiddenFill>
-            </a:ext>
-          </a:extLst>
         </p:spPr>
-      </p:pic>
+        <p:txBody>
+          <a:bodyPr/>
+          <a:lstStyle/>
+          <a:p>
+            <a:pPr algn="ctr"/>
+            <a:r>
+              <a:rPr lang="en-US" dirty="0"/>
+              <a:t>Thank you/</a:t>
+            </a:r>
+            <a:r>
+              <a:rPr lang="en-US" dirty="0" err="1"/>
+              <a:t>Danke</a:t>
+            </a:r>
+            <a:r>
+              <a:rPr lang="en-US" dirty="0"/>
+              <a:t> </a:t>
+            </a:r>
+            <a:r>
+              <a:rPr lang="en-US" dirty="0">
+                <a:sym typeface="Wingdings" panose="05000000000000000000" pitchFamily="2" charset="2"/>
+              </a:rPr>
+              <a:t></a:t>
+            </a:r>
+            <a:endParaRPr lang="en-SG" dirty="0"/>
+          </a:p>
+        </p:txBody>
+      </p:sp>
     </p:spTree>
     <p:extLst>
       <p:ext uri="{BB962C8B-B14F-4D97-AF65-F5344CB8AC3E}">
-        <p14:creationId xmlns:p14="http://schemas.microsoft.com/office/powerpoint/2010/main" val="2018523047"/>
+        <p14:creationId xmlns:p14="http://schemas.microsoft.com/office/powerpoint/2010/main" val="1810909445"/>
       </p:ext>
     </p:extLst>
   </p:cSld>
